--- a/Documentation/Presentations/PresentationDigiBP.pptx
+++ b/Documentation/Presentations/PresentationDigiBP.pptx
@@ -5,37 +5,39 @@
     <p:sldMasterId id="2147483658" r:id="rId1"/>
   </p:sldMasterIdLst>
   <p:notesMasterIdLst>
-    <p:notesMasterId r:id="rId14"/>
+    <p:notesMasterId r:id="rId16"/>
   </p:notesMasterIdLst>
   <p:sldIdLst>
     <p:sldId id="256" r:id="rId2"/>
     <p:sldId id="261" r:id="rId3"/>
     <p:sldId id="263" r:id="rId4"/>
-    <p:sldId id="282" r:id="rId5"/>
-    <p:sldId id="279" r:id="rId6"/>
-    <p:sldId id="264" r:id="rId7"/>
-    <p:sldId id="272" r:id="rId8"/>
-    <p:sldId id="284" r:id="rId9"/>
+    <p:sldId id="279" r:id="rId5"/>
+    <p:sldId id="282" r:id="rId6"/>
+    <p:sldId id="288" r:id="rId7"/>
+    <p:sldId id="264" r:id="rId8"/>
+    <p:sldId id="287" r:id="rId9"/>
     <p:sldId id="283" r:id="rId10"/>
     <p:sldId id="286" r:id="rId11"/>
     <p:sldId id="281" r:id="rId12"/>
     <p:sldId id="285" r:id="rId13"/>
+    <p:sldId id="284" r:id="rId14"/>
+    <p:sldId id="272" r:id="rId15"/>
   </p:sldIdLst>
   <p:sldSz cx="9144000" cy="5143500" type="screen16x9"/>
   <p:notesSz cx="6858000" cy="9144000"/>
   <p:embeddedFontLst>
     <p:embeddedFont>
       <p:font typeface="Raleway ExtraBold" panose="020B0604020202020204" charset="0"/>
-      <p:bold r:id="rId15"/>
-      <p:italic r:id="rId16"/>
-      <p:boldItalic r:id="rId17"/>
+      <p:bold r:id="rId17"/>
+      <p:italic r:id="rId18"/>
+      <p:boldItalic r:id="rId19"/>
     </p:embeddedFont>
     <p:embeddedFont>
       <p:font typeface="Raleway Light" panose="020B0604020202020204" charset="0"/>
-      <p:regular r:id="rId18"/>
-      <p:bold r:id="rId19"/>
-      <p:italic r:id="rId20"/>
-      <p:boldItalic r:id="rId21"/>
+      <p:regular r:id="rId20"/>
+      <p:bold r:id="rId21"/>
+      <p:italic r:id="rId22"/>
+      <p:boldItalic r:id="rId23"/>
     </p:embeddedFont>
   </p:embeddedFontLst>
   <p:defaultTextStyle>
@@ -4166,6 +4168,110 @@
 </p:notes>
 </file>
 
+<file path=ppt/notesSlides/notesSlide11.xml><?xml version="1.0" encoding="utf-8"?>
+<p:notes xmlns:a="http://schemas.openxmlformats.org/drawingml/2006/main" xmlns:r="http://schemas.openxmlformats.org/officeDocument/2006/relationships" xmlns:p="http://schemas.openxmlformats.org/presentationml/2006/main" showMasterSp="0" showMasterPhAnim="0">
+  <p:cSld>
+    <p:spTree>
+      <p:nvGrpSpPr>
+        <p:cNvPr id="1" name="Shape 249"/>
+        <p:cNvGrpSpPr/>
+        <p:nvPr/>
+      </p:nvGrpSpPr>
+      <p:grpSpPr>
+        <a:xfrm>
+          <a:off x="0" y="0"/>
+          <a:ext cx="0" cy="0"/>
+          <a:chOff x="0" y="0"/>
+          <a:chExt cx="0" cy="0"/>
+        </a:xfrm>
+      </p:grpSpPr>
+      <p:sp>
+        <p:nvSpPr>
+          <p:cNvPr id="250" name="Google Shape;250;g35ed75ccf_044:notes"/>
+          <p:cNvSpPr>
+            <a:spLocks noGrp="1" noRot="1" noChangeAspect="1"/>
+          </p:cNvSpPr>
+          <p:nvPr>
+            <p:ph type="sldImg" idx="2"/>
+          </p:nvPr>
+        </p:nvSpPr>
+        <p:spPr>
+          <a:xfrm>
+            <a:off x="381000" y="685800"/>
+            <a:ext cx="6096000" cy="3429000"/>
+          </a:xfrm>
+          <a:custGeom>
+            <a:avLst/>
+            <a:gdLst/>
+            <a:ahLst/>
+            <a:cxnLst/>
+            <a:rect l="l" t="t" r="r" b="b"/>
+            <a:pathLst>
+              <a:path w="120000" h="120000" extrusionOk="0">
+                <a:moveTo>
+                  <a:pt x="0" y="0"/>
+                </a:moveTo>
+                <a:lnTo>
+                  <a:pt x="120000" y="0"/>
+                </a:lnTo>
+                <a:lnTo>
+                  <a:pt x="120000" y="120000"/>
+                </a:lnTo>
+                <a:lnTo>
+                  <a:pt x="0" y="120000"/>
+                </a:lnTo>
+                <a:close/>
+              </a:path>
+            </a:pathLst>
+          </a:custGeom>
+        </p:spPr>
+      </p:sp>
+      <p:sp>
+        <p:nvSpPr>
+          <p:cNvPr id="251" name="Google Shape;251;g35ed75ccf_044:notes"/>
+          <p:cNvSpPr txBox="1">
+            <a:spLocks noGrp="1"/>
+          </p:cNvSpPr>
+          <p:nvPr>
+            <p:ph type="body" idx="1"/>
+          </p:nvPr>
+        </p:nvSpPr>
+        <p:spPr>
+          <a:xfrm>
+            <a:off x="685800" y="4343400"/>
+            <a:ext cx="5486400" cy="4114800"/>
+          </a:xfrm>
+          <a:prstGeom prst="rect">
+            <a:avLst/>
+          </a:prstGeom>
+        </p:spPr>
+        <p:txBody>
+          <a:bodyPr spcFirstLastPara="1" wrap="square" lIns="91425" tIns="91425" rIns="91425" bIns="91425" anchor="t" anchorCtr="0">
+            <a:noAutofit/>
+          </a:bodyPr>
+          <a:lstStyle/>
+          <a:p>
+            <a:pPr marL="0" lvl="0" indent="0" algn="l" rtl="0">
+              <a:spcBef>
+                <a:spcPts val="0"/>
+              </a:spcBef>
+              <a:spcAft>
+                <a:spcPts val="0"/>
+              </a:spcAft>
+              <a:buNone/>
+            </a:pPr>
+            <a:endParaRPr/>
+          </a:p>
+        </p:txBody>
+      </p:sp>
+    </p:spTree>
+  </p:cSld>
+  <p:clrMapOvr>
+    <a:masterClrMapping/>
+  </p:clrMapOvr>
+</p:notes>
+</file>
+
 <file path=ppt/notesSlides/notesSlide2.xml><?xml version="1.0" encoding="utf-8"?>
 <p:notes xmlns:a="http://schemas.openxmlformats.org/drawingml/2006/main" xmlns:r="http://schemas.openxmlformats.org/officeDocument/2006/relationships" xmlns:p="http://schemas.openxmlformats.org/presentationml/2006/main" showMasterSp="0" showMasterPhAnim="0">
   <p:cSld>
@@ -4466,14 +4572,14 @@
               </a:spcAft>
               <a:buNone/>
             </a:pPr>
-            <a:endParaRPr dirty="0"/>
+            <a:endParaRPr/>
           </a:p>
         </p:txBody>
       </p:sp>
     </p:spTree>
     <p:extLst>
       <p:ext uri="{BB962C8B-B14F-4D97-AF65-F5344CB8AC3E}">
-        <p14:creationId xmlns:p14="http://schemas.microsoft.com/office/powerpoint/2010/main" val="3243991988"/>
+        <p14:creationId xmlns:p14="http://schemas.microsoft.com/office/powerpoint/2010/main" val="653451940"/>
       </p:ext>
     </p:extLst>
   </p:cSld>
@@ -4575,14 +4681,14 @@
               </a:spcAft>
               <a:buNone/>
             </a:pPr>
-            <a:endParaRPr/>
+            <a:endParaRPr dirty="0"/>
           </a:p>
         </p:txBody>
       </p:sp>
     </p:spTree>
     <p:extLst>
       <p:ext uri="{BB962C8B-B14F-4D97-AF65-F5344CB8AC3E}">
-        <p14:creationId xmlns:p14="http://schemas.microsoft.com/office/powerpoint/2010/main" val="653451940"/>
+        <p14:creationId xmlns:p14="http://schemas.microsoft.com/office/powerpoint/2010/main" val="3243991988"/>
       </p:ext>
     </p:extLst>
   </p:cSld>
@@ -4701,7 +4807,7 @@
   <p:cSld>
     <p:spTree>
       <p:nvGrpSpPr>
-        <p:cNvPr id="1" name="Shape 249"/>
+        <p:cNvPr id="1" name="Shape 130"/>
         <p:cNvGrpSpPr/>
         <p:nvPr/>
       </p:nvGrpSpPr>
@@ -4715,7 +4821,7 @@
       </p:grpSpPr>
       <p:sp>
         <p:nvSpPr>
-          <p:cNvPr id="250" name="Google Shape;250;g35ed75ccf_044:notes"/>
+          <p:cNvPr id="131" name="Google Shape;131;g35f391192_017:notes"/>
           <p:cNvSpPr>
             <a:spLocks noGrp="1" noRot="1" noChangeAspect="1"/>
           </p:cNvSpPr>
@@ -4756,7 +4862,7 @@
       </p:sp>
       <p:sp>
         <p:nvSpPr>
-          <p:cNvPr id="251" name="Google Shape;251;g35ed75ccf_044:notes"/>
+          <p:cNvPr id="132" name="Google Shape;132;g35f391192_017:notes"/>
           <p:cNvSpPr txBox="1">
             <a:spLocks noGrp="1"/>
           </p:cNvSpPr>
@@ -4793,6 +4899,11 @@
         </p:txBody>
       </p:sp>
     </p:spTree>
+    <p:extLst>
+      <p:ext uri="{BB962C8B-B14F-4D97-AF65-F5344CB8AC3E}">
+        <p14:creationId xmlns:p14="http://schemas.microsoft.com/office/powerpoint/2010/main" val="504014184"/>
+      </p:ext>
+    </p:extLst>
   </p:cSld>
   <p:clrMapOvr>
     <a:masterClrMapping/>
@@ -9025,6 +9136,36 @@
             <a:avLst/>
           </a:prstGeom>
           <a:noFill/>
+        </p:spPr>
+      </p:pic>
+      <p:pic>
+        <p:nvPicPr>
+          <p:cNvPr id="3" name="Picture 2" descr="A close up of a logo&#10;&#10;Description automatically generated">
+            <a:extLst>
+              <a:ext uri="{FF2B5EF4-FFF2-40B4-BE49-F238E27FC236}">
+                <a16:creationId xmlns:a16="http://schemas.microsoft.com/office/drawing/2014/main" id="{59499F21-E6D3-4644-8802-5BF17ED2AB60}"/>
+              </a:ext>
+            </a:extLst>
+          </p:cNvPr>
+          <p:cNvPicPr>
+            <a:picLocks noChangeAspect="1"/>
+          </p:cNvPicPr>
+          <p:nvPr userDrawn="1"/>
+        </p:nvPicPr>
+        <p:blipFill>
+          <a:blip r:embed="rId9"/>
+          <a:stretch>
+            <a:fillRect/>
+          </a:stretch>
+        </p:blipFill>
+        <p:spPr>
+          <a:xfrm>
+            <a:off x="96447" y="45721"/>
+            <a:ext cx="757717" cy="449579"/>
+          </a:xfrm>
+          <a:prstGeom prst="rect">
+            <a:avLst/>
+          </a:prstGeom>
         </p:spPr>
       </p:pic>
     </p:spTree>
@@ -9798,10 +9939,9 @@
               <a:t>Just </a:t>
             </a:r>
             <a:r>
-              <a:rPr lang="de-CH" dirty="0" err="1"/>
+              <a:rPr lang="en-GB" dirty="0"/>
               <a:t>Me</a:t>
             </a:r>
-            <a:endParaRPr dirty="0"/>
           </a:p>
         </p:txBody>
       </p:sp>
@@ -9935,7 +10075,7 @@
         <p:spPr>
           <a:xfrm>
             <a:off x="922014" y="1636200"/>
-            <a:ext cx="4265936" cy="2287050"/>
+            <a:ext cx="4596136" cy="2287050"/>
           </a:xfrm>
           <a:prstGeom prst="rect">
             <a:avLst/>
@@ -10512,6 +10652,201 @@
         <p14:creationId xmlns:p14="http://schemas.microsoft.com/office/powerpoint/2010/main" val="3501213187"/>
       </p:ext>
     </p:extLst>
+  </p:cSld>
+  <p:clrMapOvr>
+    <a:masterClrMapping/>
+  </p:clrMapOvr>
+</p:sld>
+</file>
+
+<file path=ppt/slides/slide13.xml><?xml version="1.0" encoding="utf-8"?>
+<p:sld xmlns:a="http://schemas.openxmlformats.org/drawingml/2006/main" xmlns:r="http://schemas.openxmlformats.org/officeDocument/2006/relationships" xmlns:p="http://schemas.openxmlformats.org/presentationml/2006/main">
+  <p:cSld>
+    <p:spTree>
+      <p:nvGrpSpPr>
+        <p:cNvPr id="1" name=""/>
+        <p:cNvGrpSpPr/>
+        <p:nvPr/>
+      </p:nvGrpSpPr>
+      <p:grpSpPr>
+        <a:xfrm>
+          <a:off x="0" y="0"/>
+          <a:ext cx="0" cy="0"/>
+          <a:chOff x="0" y="0"/>
+          <a:chExt cx="0" cy="0"/>
+        </a:xfrm>
+      </p:grpSpPr>
+      <p:sp>
+        <p:nvSpPr>
+          <p:cNvPr id="3" name="Slide Number Placeholder 2">
+            <a:extLst>
+              <a:ext uri="{FF2B5EF4-FFF2-40B4-BE49-F238E27FC236}">
+                <a16:creationId xmlns:a16="http://schemas.microsoft.com/office/drawing/2014/main" id="{9CE6DC3D-742E-45F2-97EB-5FE9E15AF5AF}"/>
+              </a:ext>
+            </a:extLst>
+          </p:cNvPr>
+          <p:cNvSpPr>
+            <a:spLocks noGrp="1"/>
+          </p:cNvSpPr>
+          <p:nvPr>
+            <p:ph type="sldNum" idx="12"/>
+          </p:nvPr>
+        </p:nvSpPr>
+        <p:spPr/>
+        <p:txBody>
+          <a:bodyPr/>
+          <a:lstStyle/>
+          <a:p>
+            <a:pPr marL="0" lvl="0" indent="0" algn="ctr" rtl="0">
+              <a:spcBef>
+                <a:spcPts val="0"/>
+              </a:spcBef>
+              <a:spcAft>
+                <a:spcPts val="0"/>
+              </a:spcAft>
+              <a:buNone/>
+            </a:pPr>
+            <a:fld id="{00000000-1234-1234-1234-123412341234}" type="slidenum">
+              <a:rPr lang="en" smtClean="0"/>
+              <a:t>13</a:t>
+            </a:fld>
+            <a:endParaRPr lang="en"/>
+          </a:p>
+        </p:txBody>
+      </p:sp>
+      <p:pic>
+        <p:nvPicPr>
+          <p:cNvPr id="4" name="Picture 3" descr="A picture containing object&#10;&#10;Description automatically generated">
+            <a:extLst>
+              <a:ext uri="{FF2B5EF4-FFF2-40B4-BE49-F238E27FC236}">
+                <a16:creationId xmlns:a16="http://schemas.microsoft.com/office/drawing/2014/main" id="{727564E5-77F8-4D13-B10D-BB996DB54AA2}"/>
+              </a:ext>
+            </a:extLst>
+          </p:cNvPr>
+          <p:cNvPicPr>
+            <a:picLocks noChangeAspect="1"/>
+          </p:cNvPicPr>
+          <p:nvPr/>
+        </p:nvPicPr>
+        <p:blipFill>
+          <a:blip r:embed="rId2"/>
+          <a:stretch>
+            <a:fillRect/>
+          </a:stretch>
+        </p:blipFill>
+        <p:spPr>
+          <a:xfrm>
+            <a:off x="100" y="1192212"/>
+            <a:ext cx="9144000" cy="1819275"/>
+          </a:xfrm>
+          <a:prstGeom prst="rect">
+            <a:avLst/>
+          </a:prstGeom>
+        </p:spPr>
+      </p:pic>
+    </p:spTree>
+    <p:extLst>
+      <p:ext uri="{BB962C8B-B14F-4D97-AF65-F5344CB8AC3E}">
+        <p14:creationId xmlns:p14="http://schemas.microsoft.com/office/powerpoint/2010/main" val="1936553553"/>
+      </p:ext>
+    </p:extLst>
+  </p:cSld>
+  <p:clrMapOvr>
+    <a:masterClrMapping/>
+  </p:clrMapOvr>
+</p:sld>
+</file>
+
+<file path=ppt/slides/slide14.xml><?xml version="1.0" encoding="utf-8"?>
+<p:sld xmlns:a="http://schemas.openxmlformats.org/drawingml/2006/main" xmlns:r="http://schemas.openxmlformats.org/officeDocument/2006/relationships" xmlns:p="http://schemas.openxmlformats.org/presentationml/2006/main">
+  <p:cSld>
+    <p:spTree>
+      <p:nvGrpSpPr>
+        <p:cNvPr id="1" name="Shape 252"/>
+        <p:cNvGrpSpPr/>
+        <p:nvPr/>
+      </p:nvGrpSpPr>
+      <p:grpSpPr>
+        <a:xfrm>
+          <a:off x="0" y="0"/>
+          <a:ext cx="0" cy="0"/>
+          <a:chOff x="0" y="0"/>
+          <a:chExt cx="0" cy="0"/>
+        </a:xfrm>
+      </p:grpSpPr>
+      <p:sp>
+        <p:nvSpPr>
+          <p:cNvPr id="254" name="Google Shape;254;p28"/>
+          <p:cNvSpPr txBox="1">
+            <a:spLocks noGrp="1"/>
+          </p:cNvSpPr>
+          <p:nvPr>
+            <p:ph type="sldNum" idx="12"/>
+          </p:nvPr>
+        </p:nvSpPr>
+        <p:spPr>
+          <a:xfrm>
+            <a:off x="8604400" y="4590300"/>
+            <a:ext cx="539700" cy="553200"/>
+          </a:xfrm>
+          <a:prstGeom prst="rect">
+            <a:avLst/>
+          </a:prstGeom>
+        </p:spPr>
+        <p:txBody>
+          <a:bodyPr spcFirstLastPara="1" wrap="square" lIns="91425" tIns="91425" rIns="91425" bIns="91425" anchor="ctr" anchorCtr="0">
+            <a:noAutofit/>
+          </a:bodyPr>
+          <a:lstStyle/>
+          <a:p>
+            <a:pPr marL="0" lvl="0" indent="0" algn="ctr" rtl="0">
+              <a:spcBef>
+                <a:spcPts val="0"/>
+              </a:spcBef>
+              <a:spcAft>
+                <a:spcPts val="0"/>
+              </a:spcAft>
+              <a:buNone/>
+            </a:pPr>
+            <a:fld id="{00000000-1234-1234-1234-123412341234}" type="slidenum">
+              <a:rPr lang="en"/>
+              <a:t>14</a:t>
+            </a:fld>
+            <a:endParaRPr/>
+          </a:p>
+        </p:txBody>
+      </p:sp>
+      <p:pic>
+        <p:nvPicPr>
+          <p:cNvPr id="2" name="Picture 1">
+            <a:extLst>
+              <a:ext uri="{FF2B5EF4-FFF2-40B4-BE49-F238E27FC236}">
+                <a16:creationId xmlns:a16="http://schemas.microsoft.com/office/drawing/2014/main" id="{3A84D3A2-B02B-474E-9113-3C233F5F77E7}"/>
+              </a:ext>
+            </a:extLst>
+          </p:cNvPr>
+          <p:cNvPicPr>
+            <a:picLocks noChangeAspect="1"/>
+          </p:cNvPicPr>
+          <p:nvPr/>
+        </p:nvPicPr>
+        <p:blipFill>
+          <a:blip r:embed="rId3"/>
+          <a:stretch>
+            <a:fillRect/>
+          </a:stretch>
+        </p:blipFill>
+        <p:spPr>
+          <a:xfrm>
+            <a:off x="132618" y="1155700"/>
+            <a:ext cx="8878763" cy="3873499"/>
+          </a:xfrm>
+          <a:prstGeom prst="rect">
+            <a:avLst/>
+          </a:prstGeom>
+        </p:spPr>
+      </p:pic>
+    </p:spTree>
   </p:cSld>
   <p:clrMapOvr>
     <a:masterClrMapping/>
@@ -11192,11 +11527,7 @@
             </a:r>
             <a:r>
               <a:rPr lang="de-CH" sz="1600" b="1" dirty="0"/>
-              <a:t> </a:t>
-            </a:r>
-            <a:r>
-              <a:rPr lang="de-CH" sz="1600" b="1" dirty="0" err="1"/>
-              <a:t>trends</a:t>
+              <a:t> Trends</a:t>
             </a:r>
             <a:endParaRPr sz="1600" b="1" dirty="0"/>
           </a:p>
@@ -11220,14 +11551,11 @@
             </a:r>
             <a:r>
               <a:rPr lang="de-CH" sz="1600" dirty="0"/>
-              <a:t> Ecology</a:t>
+              <a:t> </a:t>
             </a:r>
-          </a:p>
-          <a:p>
-            <a:pPr marL="285750" indent="-285750"/>
             <a:r>
               <a:rPr lang="de-CH" sz="1600" dirty="0" err="1"/>
-              <a:t>Individualized</a:t>
+              <a:t>ecology</a:t>
             </a:r>
             <a:r>
               <a:rPr lang="de-CH" sz="1600" dirty="0"/>
@@ -11237,15 +11565,28 @@
           <a:p>
             <a:pPr marL="285750" indent="-285750"/>
             <a:r>
-              <a:rPr lang="de-CH" sz="1600" dirty="0"/>
-              <a:t>Connectivity</a:t>
+              <a:rPr lang="de-CH" sz="1600" dirty="0" err="1"/>
+              <a:t>Conciousness</a:t>
             </a:r>
+            <a:endParaRPr lang="de-CH" sz="1600" dirty="0"/>
           </a:p>
           <a:p>
             <a:pPr marL="285750" indent="-285750"/>
             <a:r>
               <a:rPr lang="de-CH" sz="1600" dirty="0" err="1"/>
-              <a:t>Globalized</a:t>
+              <a:t>Individualization</a:t>
+            </a:r>
+            <a:endParaRPr lang="de-CH" sz="1600" dirty="0"/>
+          </a:p>
+          <a:p>
+            <a:pPr marL="285750" indent="-285750"/>
+            <a:r>
+              <a:rPr lang="de-CH" sz="1600" dirty="0"/>
+              <a:t>Connectivity / </a:t>
+            </a:r>
+            <a:r>
+              <a:rPr lang="de-CH" sz="1600" dirty="0" err="1"/>
+              <a:t>globalization</a:t>
             </a:r>
             <a:endParaRPr lang="de-CH" sz="1600" dirty="0"/>
           </a:p>
@@ -11295,11 +11636,7 @@
             </a:r>
             <a:r>
               <a:rPr lang="de-CH" dirty="0"/>
-              <a:t> </a:t>
-            </a:r>
-            <a:r>
-              <a:rPr lang="de-CH" dirty="0" err="1"/>
-              <a:t>society</a:t>
+              <a:t> Society</a:t>
             </a:r>
             <a:endParaRPr dirty="0"/>
           </a:p>
@@ -11347,6 +11684,77 @@
           </a:p>
         </p:txBody>
       </p:sp>
+      <p:sp>
+        <p:nvSpPr>
+          <p:cNvPr id="2" name="Rectangle 1">
+            <a:extLst>
+              <a:ext uri="{FF2B5EF4-FFF2-40B4-BE49-F238E27FC236}">
+                <a16:creationId xmlns:a16="http://schemas.microsoft.com/office/drawing/2014/main" id="{3C171893-65B6-427F-A5C5-20DC80251953}"/>
+              </a:ext>
+            </a:extLst>
+          </p:cNvPr>
+          <p:cNvSpPr/>
+          <p:nvPr/>
+        </p:nvSpPr>
+        <p:spPr>
+          <a:xfrm>
+            <a:off x="302689" y="4780062"/>
+            <a:ext cx="3433953" cy="253916"/>
+          </a:xfrm>
+          <a:prstGeom prst="rect">
+            <a:avLst/>
+          </a:prstGeom>
+        </p:spPr>
+        <p:txBody>
+          <a:bodyPr wrap="none">
+            <a:spAutoFit/>
+          </a:bodyPr>
+          <a:lstStyle/>
+          <a:p>
+            <a:r>
+              <a:rPr lang="de-CH" sz="1050" dirty="0" err="1">
+                <a:solidFill>
+                  <a:schemeClr val="bg1">
+                    <a:lumMod val="75000"/>
+                  </a:schemeClr>
+                </a:solidFill>
+                <a:hlinkClick r:id="rId3">
+                  <a:extLst>
+                    <a:ext uri="{A12FA001-AC4F-418D-AE19-62706E023703}">
+                      <ahyp:hlinkClr xmlns:ahyp="http://schemas.microsoft.com/office/drawing/2018/hyperlinkcolor" val="tx"/>
+                    </a:ext>
+                  </a:extLst>
+                </a:hlinkClick>
+              </a:rPr>
+              <a:t>src</a:t>
+            </a:r>
+            <a:r>
+              <a:rPr lang="de-CH" sz="1050" dirty="0">
+                <a:solidFill>
+                  <a:schemeClr val="bg1">
+                    <a:lumMod val="75000"/>
+                  </a:schemeClr>
+                </a:solidFill>
+                <a:hlinkClick r:id="rId3">
+                  <a:extLst>
+                    <a:ext uri="{A12FA001-AC4F-418D-AE19-62706E023703}">
+                      <ahyp:hlinkClr xmlns:ahyp="http://schemas.microsoft.com/office/drawing/2018/hyperlinkcolor" val="tx"/>
+                    </a:ext>
+                  </a:extLst>
+                </a:hlinkClick>
+              </a:rPr>
+              <a:t>: https://www.zukunftsinstitut.de/index.php?id=1532</a:t>
+            </a:r>
+            <a:endParaRPr lang="de-CH" sz="1050" dirty="0">
+              <a:solidFill>
+                <a:schemeClr val="bg1">
+                  <a:lumMod val="75000"/>
+                </a:schemeClr>
+              </a:solidFill>
+            </a:endParaRPr>
+          </a:p>
+        </p:txBody>
+      </p:sp>
     </p:spTree>
   </p:cSld>
   <p:clrMapOvr>
@@ -11356,320 +11764,6 @@
 </file>
 
 <file path=ppt/slides/slide4.xml><?xml version="1.0" encoding="utf-8"?>
-<p:sld xmlns:a="http://schemas.openxmlformats.org/drawingml/2006/main" xmlns:r="http://schemas.openxmlformats.org/officeDocument/2006/relationships" xmlns:p="http://schemas.openxmlformats.org/presentationml/2006/main">
-  <p:cSld>
-    <p:spTree>
-      <p:nvGrpSpPr>
-        <p:cNvPr id="1" name="Shape 133"/>
-        <p:cNvGrpSpPr/>
-        <p:nvPr/>
-      </p:nvGrpSpPr>
-      <p:grpSpPr>
-        <a:xfrm>
-          <a:off x="0" y="0"/>
-          <a:ext cx="0" cy="0"/>
-          <a:chOff x="0" y="0"/>
-          <a:chExt cx="0" cy="0"/>
-        </a:xfrm>
-      </p:grpSpPr>
-      <p:sp>
-        <p:nvSpPr>
-          <p:cNvPr id="135" name="Google Shape;135;p19"/>
-          <p:cNvSpPr txBox="1">
-            <a:spLocks noGrp="1"/>
-          </p:cNvSpPr>
-          <p:nvPr>
-            <p:ph type="title"/>
-          </p:nvPr>
-        </p:nvSpPr>
-        <p:spPr>
-          <a:xfrm>
-            <a:off x="922000" y="519075"/>
-            <a:ext cx="6866100" cy="857400"/>
-          </a:xfrm>
-          <a:prstGeom prst="rect">
-            <a:avLst/>
-          </a:prstGeom>
-        </p:spPr>
-        <p:txBody>
-          <a:bodyPr spcFirstLastPara="1" wrap="square" lIns="91425" tIns="91425" rIns="91425" bIns="91425" anchor="t" anchorCtr="0">
-            <a:noAutofit/>
-          </a:bodyPr>
-          <a:lstStyle/>
-          <a:p>
-            <a:pPr marL="0" lvl="0" indent="0" algn="l" rtl="0">
-              <a:spcBef>
-                <a:spcPts val="0"/>
-              </a:spcBef>
-              <a:spcAft>
-                <a:spcPts val="0"/>
-              </a:spcAft>
-              <a:buNone/>
-            </a:pPr>
-            <a:r>
-              <a:rPr lang="de-CH" dirty="0"/>
-              <a:t>Title?</a:t>
-            </a:r>
-            <a:endParaRPr dirty="0"/>
-          </a:p>
-        </p:txBody>
-      </p:sp>
-      <p:sp>
-        <p:nvSpPr>
-          <p:cNvPr id="137" name="Google Shape;137;p19"/>
-          <p:cNvSpPr txBox="1">
-            <a:spLocks noGrp="1"/>
-          </p:cNvSpPr>
-          <p:nvPr>
-            <p:ph type="sldNum" idx="12"/>
-          </p:nvPr>
-        </p:nvSpPr>
-        <p:spPr>
-          <a:xfrm>
-            <a:off x="8604400" y="4590300"/>
-            <a:ext cx="539700" cy="553200"/>
-          </a:xfrm>
-          <a:prstGeom prst="rect">
-            <a:avLst/>
-          </a:prstGeom>
-        </p:spPr>
-        <p:txBody>
-          <a:bodyPr spcFirstLastPara="1" wrap="square" lIns="91425" tIns="91425" rIns="91425" bIns="91425" anchor="ctr" anchorCtr="0">
-            <a:noAutofit/>
-          </a:bodyPr>
-          <a:lstStyle/>
-          <a:p>
-            <a:pPr marL="0" lvl="0" indent="0" algn="ctr" rtl="0">
-              <a:spcBef>
-                <a:spcPts val="0"/>
-              </a:spcBef>
-              <a:spcAft>
-                <a:spcPts val="0"/>
-              </a:spcAft>
-              <a:buNone/>
-            </a:pPr>
-            <a:fld id="{00000000-1234-1234-1234-123412341234}" type="slidenum">
-              <a:rPr lang="en"/>
-              <a:t>4</a:t>
-            </a:fld>
-            <a:endParaRPr/>
-          </a:p>
-        </p:txBody>
-      </p:sp>
-      <p:pic>
-        <p:nvPicPr>
-          <p:cNvPr id="2" name="Picture 1">
-            <a:extLst>
-              <a:ext uri="{FF2B5EF4-FFF2-40B4-BE49-F238E27FC236}">
-                <a16:creationId xmlns:a16="http://schemas.microsoft.com/office/drawing/2014/main" id="{F9DAC7AD-710F-44D6-B677-760BC3459830}"/>
-              </a:ext>
-            </a:extLst>
-          </p:cNvPr>
-          <p:cNvPicPr>
-            <a:picLocks noChangeAspect="1"/>
-          </p:cNvPicPr>
-          <p:nvPr/>
-        </p:nvPicPr>
-        <p:blipFill>
-          <a:blip r:embed="rId3"/>
-          <a:stretch>
-            <a:fillRect/>
-          </a:stretch>
-        </p:blipFill>
-        <p:spPr>
-          <a:xfrm>
-            <a:off x="3459841" y="1373700"/>
-            <a:ext cx="1644311" cy="1584601"/>
-          </a:xfrm>
-          <a:prstGeom prst="rect">
-            <a:avLst/>
-          </a:prstGeom>
-        </p:spPr>
-      </p:pic>
-      <p:sp>
-        <p:nvSpPr>
-          <p:cNvPr id="4" name="Text Placeholder 3">
-            <a:extLst>
-              <a:ext uri="{FF2B5EF4-FFF2-40B4-BE49-F238E27FC236}">
-                <a16:creationId xmlns:a16="http://schemas.microsoft.com/office/drawing/2014/main" id="{E1B61604-B930-4990-951A-EE3C0EBA9094}"/>
-              </a:ext>
-            </a:extLst>
-          </p:cNvPr>
-          <p:cNvSpPr>
-            <a:spLocks noGrp="1"/>
-          </p:cNvSpPr>
-          <p:nvPr>
-            <p:ph type="body" idx="1"/>
-          </p:nvPr>
-        </p:nvSpPr>
-        <p:spPr>
-          <a:xfrm>
-            <a:off x="496550" y="1728628"/>
-            <a:ext cx="3543300" cy="3027600"/>
-          </a:xfrm>
-        </p:spPr>
-        <p:txBody>
-          <a:bodyPr/>
-          <a:lstStyle/>
-          <a:p>
-            <a:pPr marL="0" indent="0">
-              <a:buNone/>
-            </a:pPr>
-            <a:r>
-              <a:rPr lang="en-US" b="1" dirty="0"/>
-              <a:t>Max </a:t>
-            </a:r>
-          </a:p>
-          <a:p>
-            <a:pPr marL="285750" indent="-285750"/>
-            <a:r>
-              <a:rPr lang="en-US" dirty="0"/>
-              <a:t>Age: 30</a:t>
-            </a:r>
-          </a:p>
-          <a:p>
-            <a:pPr marL="285750" indent="-285750"/>
-            <a:r>
-              <a:rPr lang="en-US" dirty="0"/>
-              <a:t>Financial Background: Middle Class </a:t>
-            </a:r>
-          </a:p>
-          <a:p>
-            <a:pPr marL="285750" indent="-285750"/>
-            <a:r>
-              <a:rPr lang="en-US" dirty="0"/>
-              <a:t>Job: Business Analyst</a:t>
-            </a:r>
-          </a:p>
-          <a:p>
-            <a:pPr marL="285750" indent="-285750"/>
-            <a:r>
-              <a:rPr lang="en-US" dirty="0"/>
-              <a:t>Character: Eco-friendly, Human rights activist, busy schedule,</a:t>
-            </a:r>
-          </a:p>
-          <a:p>
-            <a:pPr marL="285750" indent="-285750"/>
-            <a:r>
-              <a:rPr lang="en-US" dirty="0"/>
-              <a:t>Challenging Body structure  </a:t>
-            </a:r>
-          </a:p>
-          <a:p>
-            <a:endParaRPr lang="de-CH" dirty="0"/>
-          </a:p>
-        </p:txBody>
-      </p:sp>
-      <p:sp>
-        <p:nvSpPr>
-          <p:cNvPr id="10" name="Google Shape;136;p19">
-            <a:extLst>
-              <a:ext uri="{FF2B5EF4-FFF2-40B4-BE49-F238E27FC236}">
-                <a16:creationId xmlns:a16="http://schemas.microsoft.com/office/drawing/2014/main" id="{1B5D6C3D-AFB3-4838-A7EF-B0BE7E7613A3}"/>
-              </a:ext>
-            </a:extLst>
-          </p:cNvPr>
-          <p:cNvSpPr txBox="1">
-            <a:spLocks noGrp="1"/>
-          </p:cNvSpPr>
-          <p:nvPr>
-            <p:ph type="body" idx="2"/>
-          </p:nvPr>
-        </p:nvSpPr>
-        <p:spPr>
-          <a:xfrm>
-            <a:off x="5373350" y="1733928"/>
-            <a:ext cx="3543300" cy="2287050"/>
-          </a:xfrm>
-          <a:prstGeom prst="rect">
-            <a:avLst/>
-          </a:prstGeom>
-        </p:spPr>
-        <p:txBody>
-          <a:bodyPr spcFirstLastPara="1" wrap="square" lIns="91425" tIns="91425" rIns="91425" bIns="91425" anchor="t" anchorCtr="0">
-            <a:noAutofit/>
-          </a:bodyPr>
-          <a:lstStyle/>
-          <a:p>
-            <a:pPr marL="0" lvl="0" indent="0" algn="l" rtl="0">
-              <a:spcBef>
-                <a:spcPts val="600"/>
-              </a:spcBef>
-              <a:spcAft>
-                <a:spcPts val="0"/>
-              </a:spcAft>
-              <a:buNone/>
-            </a:pPr>
-            <a:r>
-              <a:rPr lang="de-CH" sz="1600" b="1" dirty="0" err="1"/>
-              <a:t>Max’s</a:t>
-            </a:r>
-            <a:r>
-              <a:rPr lang="de-CH" sz="1600" b="1" dirty="0"/>
-              <a:t> </a:t>
-            </a:r>
-            <a:r>
-              <a:rPr lang="de-CH" sz="1600" b="1" dirty="0" err="1"/>
-              <a:t>shopping</a:t>
-            </a:r>
-            <a:r>
-              <a:rPr lang="de-CH" sz="1600" b="1" dirty="0"/>
-              <a:t> </a:t>
-            </a:r>
-            <a:r>
-              <a:rPr lang="de-CH" sz="1600" b="1" dirty="0" err="1"/>
-              <a:t>behaviour</a:t>
-            </a:r>
-            <a:r>
-              <a:rPr lang="de-CH" sz="1600" b="1" dirty="0"/>
-              <a:t> </a:t>
-            </a:r>
-          </a:p>
-          <a:p>
-            <a:pPr marL="285750" indent="-285750"/>
-            <a:r>
-              <a:rPr lang="en-US" sz="1600" dirty="0"/>
-              <a:t>Online Shopper</a:t>
-            </a:r>
-          </a:p>
-          <a:p>
-            <a:pPr marL="285750" indent="-285750"/>
-            <a:r>
-              <a:rPr lang="en-US" sz="1600" dirty="0"/>
-              <a:t>Enjoys individualized clothing</a:t>
-            </a:r>
-          </a:p>
-          <a:p>
-            <a:pPr marL="285750" indent="-285750"/>
-            <a:r>
-              <a:rPr lang="en-US" sz="1600" dirty="0"/>
-              <a:t>Eco friendly and tailor made</a:t>
-            </a:r>
-          </a:p>
-          <a:p>
-            <a:pPr marL="285750" indent="-285750"/>
-            <a:endParaRPr lang="en-US" sz="1600" dirty="0"/>
-          </a:p>
-          <a:p>
-            <a:pPr marL="285750" indent="-285750"/>
-            <a:endParaRPr lang="en-US" sz="1600" dirty="0"/>
-          </a:p>
-        </p:txBody>
-      </p:sp>
-    </p:spTree>
-    <p:extLst>
-      <p:ext uri="{BB962C8B-B14F-4D97-AF65-F5344CB8AC3E}">
-        <p14:creationId xmlns:p14="http://schemas.microsoft.com/office/powerpoint/2010/main" val="2610563092"/>
-      </p:ext>
-    </p:extLst>
-  </p:cSld>
-  <p:clrMapOvr>
-    <a:masterClrMapping/>
-  </p:clrMapOvr>
-</p:sld>
-</file>
-
-<file path=ppt/slides/slide5.xml><?xml version="1.0" encoding="utf-8"?>
 <p:sld xmlns:a="http://schemas.openxmlformats.org/drawingml/2006/main" xmlns:r="http://schemas.openxmlformats.org/officeDocument/2006/relationships" xmlns:p="http://schemas.openxmlformats.org/presentationml/2006/main">
   <p:cSld>
     <p:spTree>
@@ -11772,7 +11866,7 @@
             </a:pPr>
             <a:fld id="{00000000-1234-1234-1234-123412341234}" type="slidenum">
               <a:rPr lang="en"/>
-              <a:t>5</a:t>
+              <a:t>4</a:t>
             </a:fld>
             <a:endParaRPr/>
           </a:p>
@@ -11795,7 +11889,7 @@
         <p:spPr>
           <a:xfrm>
             <a:off x="922014" y="1636200"/>
-            <a:ext cx="3543300" cy="2287050"/>
+            <a:ext cx="4380236" cy="2287050"/>
           </a:xfrm>
           <a:prstGeom prst="rect">
             <a:avLst/>
@@ -12060,7 +12154,21 @@
             <a:pPr marL="285750" indent="-285750"/>
             <a:r>
               <a:rPr lang="en-US" sz="1600" dirty="0"/>
-              <a:t>Fast and easy access to eco friendly and fairly produced clothes.</a:t>
+              <a:t>Fast and easy access to eco friendly and fair produced clothes.</a:t>
+            </a:r>
+          </a:p>
+          <a:p>
+            <a:pPr marL="742950" lvl="1" indent="-285750"/>
+            <a:r>
+              <a:rPr lang="en-US" sz="1600" dirty="0"/>
+              <a:t>Individualized </a:t>
+            </a:r>
+          </a:p>
+          <a:p>
+            <a:pPr marL="742950" lvl="1" indent="-285750"/>
+            <a:r>
+              <a:rPr lang="en-US" sz="1600" dirty="0"/>
+              <a:t>Ready made </a:t>
             </a:r>
           </a:p>
           <a:p>
@@ -12073,7 +12181,7 @@
               <a:rPr lang="en-US" sz="1600" dirty="0">
                 <a:sym typeface="Wingdings" panose="05000000000000000000" pitchFamily="2" charset="2"/>
               </a:rPr>
-              <a:t> Mass market</a:t>
+              <a:t> Mass market (eco-friendly line)</a:t>
             </a:r>
             <a:endParaRPr lang="en-US" sz="1600" dirty="0"/>
           </a:p>
@@ -12113,7 +12221,461 @@
 </p:sld>
 </file>
 
+<file path=ppt/slides/slide5.xml><?xml version="1.0" encoding="utf-8"?>
+<p:sld xmlns:a="http://schemas.openxmlformats.org/drawingml/2006/main" xmlns:r="http://schemas.openxmlformats.org/officeDocument/2006/relationships" xmlns:p="http://schemas.openxmlformats.org/presentationml/2006/main">
+  <p:cSld>
+    <p:spTree>
+      <p:nvGrpSpPr>
+        <p:cNvPr id="1" name="Shape 133"/>
+        <p:cNvGrpSpPr/>
+        <p:nvPr/>
+      </p:nvGrpSpPr>
+      <p:grpSpPr>
+        <a:xfrm>
+          <a:off x="0" y="0"/>
+          <a:ext cx="0" cy="0"/>
+          <a:chOff x="0" y="0"/>
+          <a:chExt cx="0" cy="0"/>
+        </a:xfrm>
+      </p:grpSpPr>
+      <p:sp>
+        <p:nvSpPr>
+          <p:cNvPr id="135" name="Google Shape;135;p19"/>
+          <p:cNvSpPr txBox="1">
+            <a:spLocks noGrp="1"/>
+          </p:cNvSpPr>
+          <p:nvPr>
+            <p:ph type="title"/>
+          </p:nvPr>
+        </p:nvSpPr>
+        <p:spPr>
+          <a:xfrm>
+            <a:off x="922000" y="519075"/>
+            <a:ext cx="6866100" cy="857400"/>
+          </a:xfrm>
+          <a:prstGeom prst="rect">
+            <a:avLst/>
+          </a:prstGeom>
+        </p:spPr>
+        <p:txBody>
+          <a:bodyPr spcFirstLastPara="1" wrap="square" lIns="91425" tIns="91425" rIns="91425" bIns="91425" anchor="t" anchorCtr="0">
+            <a:noAutofit/>
+          </a:bodyPr>
+          <a:lstStyle/>
+          <a:p>
+            <a:pPr marL="0" lvl="0" indent="0" algn="l" rtl="0">
+              <a:spcBef>
+                <a:spcPts val="0"/>
+              </a:spcBef>
+              <a:spcAft>
+                <a:spcPts val="0"/>
+              </a:spcAft>
+              <a:buNone/>
+            </a:pPr>
+            <a:r>
+              <a:rPr lang="de-CH" dirty="0"/>
+              <a:t>Persona</a:t>
+            </a:r>
+            <a:endParaRPr dirty="0"/>
+          </a:p>
+        </p:txBody>
+      </p:sp>
+      <p:sp>
+        <p:nvSpPr>
+          <p:cNvPr id="137" name="Google Shape;137;p19"/>
+          <p:cNvSpPr txBox="1">
+            <a:spLocks noGrp="1"/>
+          </p:cNvSpPr>
+          <p:nvPr>
+            <p:ph type="sldNum" idx="12"/>
+          </p:nvPr>
+        </p:nvSpPr>
+        <p:spPr>
+          <a:xfrm>
+            <a:off x="8604400" y="4590300"/>
+            <a:ext cx="539700" cy="553200"/>
+          </a:xfrm>
+          <a:prstGeom prst="rect">
+            <a:avLst/>
+          </a:prstGeom>
+        </p:spPr>
+        <p:txBody>
+          <a:bodyPr spcFirstLastPara="1" wrap="square" lIns="91425" tIns="91425" rIns="91425" bIns="91425" anchor="ctr" anchorCtr="0">
+            <a:noAutofit/>
+          </a:bodyPr>
+          <a:lstStyle/>
+          <a:p>
+            <a:pPr marL="0" lvl="0" indent="0" algn="ctr" rtl="0">
+              <a:spcBef>
+                <a:spcPts val="0"/>
+              </a:spcBef>
+              <a:spcAft>
+                <a:spcPts val="0"/>
+              </a:spcAft>
+              <a:buNone/>
+            </a:pPr>
+            <a:fld id="{00000000-1234-1234-1234-123412341234}" type="slidenum">
+              <a:rPr lang="en"/>
+              <a:t>5</a:t>
+            </a:fld>
+            <a:endParaRPr/>
+          </a:p>
+        </p:txBody>
+      </p:sp>
+      <p:pic>
+        <p:nvPicPr>
+          <p:cNvPr id="2" name="Picture 1">
+            <a:extLst>
+              <a:ext uri="{FF2B5EF4-FFF2-40B4-BE49-F238E27FC236}">
+                <a16:creationId xmlns:a16="http://schemas.microsoft.com/office/drawing/2014/main" id="{F9DAC7AD-710F-44D6-B677-760BC3459830}"/>
+              </a:ext>
+            </a:extLst>
+          </p:cNvPr>
+          <p:cNvPicPr>
+            <a:picLocks noChangeAspect="1"/>
+          </p:cNvPicPr>
+          <p:nvPr/>
+        </p:nvPicPr>
+        <p:blipFill>
+          <a:blip r:embed="rId3"/>
+          <a:stretch>
+            <a:fillRect/>
+          </a:stretch>
+        </p:blipFill>
+        <p:spPr>
+          <a:xfrm>
+            <a:off x="3593191" y="1938850"/>
+            <a:ext cx="1644311" cy="1584601"/>
+          </a:xfrm>
+          <a:prstGeom prst="rect">
+            <a:avLst/>
+          </a:prstGeom>
+        </p:spPr>
+      </p:pic>
+      <p:sp>
+        <p:nvSpPr>
+          <p:cNvPr id="4" name="Text Placeholder 3">
+            <a:extLst>
+              <a:ext uri="{FF2B5EF4-FFF2-40B4-BE49-F238E27FC236}">
+                <a16:creationId xmlns:a16="http://schemas.microsoft.com/office/drawing/2014/main" id="{E1B61604-B930-4990-951A-EE3C0EBA9094}"/>
+              </a:ext>
+            </a:extLst>
+          </p:cNvPr>
+          <p:cNvSpPr>
+            <a:spLocks noGrp="1"/>
+          </p:cNvSpPr>
+          <p:nvPr>
+            <p:ph type="body" idx="1"/>
+          </p:nvPr>
+        </p:nvSpPr>
+        <p:spPr>
+          <a:xfrm>
+            <a:off x="496550" y="1728628"/>
+            <a:ext cx="3543300" cy="3027600"/>
+          </a:xfrm>
+        </p:spPr>
+        <p:txBody>
+          <a:bodyPr/>
+          <a:lstStyle/>
+          <a:p>
+            <a:pPr marL="0" indent="0">
+              <a:buNone/>
+            </a:pPr>
+            <a:r>
+              <a:rPr lang="en-US" b="1" dirty="0"/>
+              <a:t>Max </a:t>
+            </a:r>
+          </a:p>
+          <a:p>
+            <a:pPr marL="285750" indent="-285750"/>
+            <a:r>
+              <a:rPr lang="en-US" dirty="0"/>
+              <a:t>Age: 30</a:t>
+            </a:r>
+          </a:p>
+          <a:p>
+            <a:pPr marL="285750" indent="-285750"/>
+            <a:r>
+              <a:rPr lang="en-US" dirty="0"/>
+              <a:t>Financial background: Middle class </a:t>
+            </a:r>
+          </a:p>
+          <a:p>
+            <a:pPr marL="285750" indent="-285750"/>
+            <a:r>
+              <a:rPr lang="en-US" dirty="0"/>
+              <a:t>Job: Business Analyst</a:t>
+            </a:r>
+          </a:p>
+          <a:p>
+            <a:pPr marL="285750" indent="-285750"/>
+            <a:r>
+              <a:rPr lang="en-US" dirty="0"/>
+              <a:t>Character: Eco-friendly, human rights activist, busy schedule</a:t>
+            </a:r>
+          </a:p>
+          <a:p>
+            <a:pPr marL="285750" indent="-285750"/>
+            <a:r>
+              <a:rPr lang="en-US" dirty="0"/>
+              <a:t>Unique body structure  </a:t>
+            </a:r>
+          </a:p>
+          <a:p>
+            <a:endParaRPr lang="de-CH" dirty="0"/>
+          </a:p>
+        </p:txBody>
+      </p:sp>
+      <p:sp>
+        <p:nvSpPr>
+          <p:cNvPr id="10" name="Google Shape;136;p19">
+            <a:extLst>
+              <a:ext uri="{FF2B5EF4-FFF2-40B4-BE49-F238E27FC236}">
+                <a16:creationId xmlns:a16="http://schemas.microsoft.com/office/drawing/2014/main" id="{1B5D6C3D-AFB3-4838-A7EF-B0BE7E7613A3}"/>
+              </a:ext>
+            </a:extLst>
+          </p:cNvPr>
+          <p:cNvSpPr txBox="1">
+            <a:spLocks noGrp="1"/>
+          </p:cNvSpPr>
+          <p:nvPr>
+            <p:ph type="body" idx="2"/>
+          </p:nvPr>
+        </p:nvSpPr>
+        <p:spPr>
+          <a:xfrm>
+            <a:off x="5373350" y="1733928"/>
+            <a:ext cx="3543300" cy="2287050"/>
+          </a:xfrm>
+          <a:prstGeom prst="rect">
+            <a:avLst/>
+          </a:prstGeom>
+        </p:spPr>
+        <p:txBody>
+          <a:bodyPr spcFirstLastPara="1" wrap="square" lIns="91425" tIns="91425" rIns="91425" bIns="91425" anchor="t" anchorCtr="0">
+            <a:noAutofit/>
+          </a:bodyPr>
+          <a:lstStyle/>
+          <a:p>
+            <a:pPr marL="0" lvl="0" indent="0" algn="l" rtl="0">
+              <a:spcBef>
+                <a:spcPts val="600"/>
+              </a:spcBef>
+              <a:spcAft>
+                <a:spcPts val="0"/>
+              </a:spcAft>
+              <a:buNone/>
+            </a:pPr>
+            <a:r>
+              <a:rPr lang="de-CH" sz="1600" b="1" dirty="0" err="1"/>
+              <a:t>Max’s</a:t>
+            </a:r>
+            <a:r>
+              <a:rPr lang="de-CH" sz="1600" b="1" dirty="0"/>
+              <a:t> Shopping </a:t>
+            </a:r>
+            <a:r>
+              <a:rPr lang="de-CH" sz="1600" b="1" dirty="0" err="1"/>
+              <a:t>Behaviour</a:t>
+            </a:r>
+            <a:r>
+              <a:rPr lang="de-CH" sz="1600" b="1" dirty="0"/>
+              <a:t> </a:t>
+            </a:r>
+          </a:p>
+          <a:p>
+            <a:pPr marL="285750" indent="-285750"/>
+            <a:r>
+              <a:rPr lang="en-US" sz="1600" dirty="0"/>
+              <a:t>Online shopper</a:t>
+            </a:r>
+          </a:p>
+          <a:p>
+            <a:pPr marL="285750" indent="-285750"/>
+            <a:r>
+              <a:rPr lang="en-US" sz="1600" dirty="0"/>
+              <a:t>Enjoys individualized clothing</a:t>
+            </a:r>
+          </a:p>
+          <a:p>
+            <a:pPr marL="285750" indent="-285750"/>
+            <a:r>
+              <a:rPr lang="en-US" sz="1600" dirty="0"/>
+              <a:t>Eco friendly and tailor made</a:t>
+            </a:r>
+          </a:p>
+          <a:p>
+            <a:pPr marL="285750" indent="-285750"/>
+            <a:endParaRPr lang="en-US" sz="1600" dirty="0"/>
+          </a:p>
+        </p:txBody>
+      </p:sp>
+    </p:spTree>
+    <p:extLst>
+      <p:ext uri="{BB962C8B-B14F-4D97-AF65-F5344CB8AC3E}">
+        <p14:creationId xmlns:p14="http://schemas.microsoft.com/office/powerpoint/2010/main" val="2610563092"/>
+      </p:ext>
+    </p:extLst>
+  </p:cSld>
+  <p:clrMapOvr>
+    <a:masterClrMapping/>
+  </p:clrMapOvr>
+</p:sld>
+</file>
+
 <file path=ppt/slides/slide6.xml><?xml version="1.0" encoding="utf-8"?>
+<p:sld xmlns:a="http://schemas.openxmlformats.org/drawingml/2006/main" xmlns:r="http://schemas.openxmlformats.org/officeDocument/2006/relationships" xmlns:p="http://schemas.openxmlformats.org/presentationml/2006/main">
+  <p:cSld>
+    <p:spTree>
+      <p:nvGrpSpPr>
+        <p:cNvPr id="1" name=""/>
+        <p:cNvGrpSpPr/>
+        <p:nvPr/>
+      </p:nvGrpSpPr>
+      <p:grpSpPr>
+        <a:xfrm>
+          <a:off x="0" y="0"/>
+          <a:ext cx="0" cy="0"/>
+          <a:chOff x="0" y="0"/>
+          <a:chExt cx="0" cy="0"/>
+        </a:xfrm>
+      </p:grpSpPr>
+      <p:sp>
+        <p:nvSpPr>
+          <p:cNvPr id="2" name="Title 1">
+            <a:extLst>
+              <a:ext uri="{FF2B5EF4-FFF2-40B4-BE49-F238E27FC236}">
+                <a16:creationId xmlns:a16="http://schemas.microsoft.com/office/drawing/2014/main" id="{761A73F0-D33D-4212-A84E-B92026F9DA15}"/>
+              </a:ext>
+            </a:extLst>
+          </p:cNvPr>
+          <p:cNvSpPr>
+            <a:spLocks noGrp="1"/>
+          </p:cNvSpPr>
+          <p:nvPr>
+            <p:ph type="title"/>
+          </p:nvPr>
+        </p:nvSpPr>
+        <p:spPr>
+          <a:xfrm>
+            <a:off x="922000" y="561575"/>
+            <a:ext cx="6866100" cy="857400"/>
+          </a:xfrm>
+        </p:spPr>
+        <p:txBody>
+          <a:bodyPr/>
+          <a:lstStyle/>
+          <a:p>
+            <a:r>
+              <a:rPr lang="de-CH" dirty="0"/>
+              <a:t>Customer Journey</a:t>
+            </a:r>
+          </a:p>
+        </p:txBody>
+      </p:sp>
+      <p:sp>
+        <p:nvSpPr>
+          <p:cNvPr id="5" name="Slide Number Placeholder 4">
+            <a:extLst>
+              <a:ext uri="{FF2B5EF4-FFF2-40B4-BE49-F238E27FC236}">
+                <a16:creationId xmlns:a16="http://schemas.microsoft.com/office/drawing/2014/main" id="{479B15B2-B711-4028-A50B-A523A3B466B7}"/>
+              </a:ext>
+            </a:extLst>
+          </p:cNvPr>
+          <p:cNvSpPr>
+            <a:spLocks noGrp="1"/>
+          </p:cNvSpPr>
+          <p:nvPr>
+            <p:ph type="sldNum" idx="12"/>
+          </p:nvPr>
+        </p:nvSpPr>
+        <p:spPr/>
+        <p:txBody>
+          <a:bodyPr/>
+          <a:lstStyle/>
+          <a:p>
+            <a:fld id="{00000000-1234-1234-1234-123412341234}" type="slidenum">
+              <a:rPr lang="de-CH" smtClean="0"/>
+              <a:pPr/>
+              <a:t>6</a:t>
+            </a:fld>
+            <a:endParaRPr lang="de-CH"/>
+          </a:p>
+        </p:txBody>
+      </p:sp>
+      <p:pic>
+        <p:nvPicPr>
+          <p:cNvPr id="7" name="Picture 6">
+            <a:extLst>
+              <a:ext uri="{FF2B5EF4-FFF2-40B4-BE49-F238E27FC236}">
+                <a16:creationId xmlns:a16="http://schemas.microsoft.com/office/drawing/2014/main" id="{86858C42-1765-431A-AC10-2C4CE7D388D4}"/>
+              </a:ext>
+            </a:extLst>
+          </p:cNvPr>
+          <p:cNvPicPr>
+            <a:picLocks noChangeAspect="1"/>
+          </p:cNvPicPr>
+          <p:nvPr/>
+        </p:nvPicPr>
+        <p:blipFill rotWithShape="1">
+          <a:blip r:embed="rId2"/>
+          <a:srcRect l="10082"/>
+          <a:stretch/>
+        </p:blipFill>
+        <p:spPr>
+          <a:xfrm>
+            <a:off x="75485" y="1887378"/>
+            <a:ext cx="8957944" cy="2246472"/>
+          </a:xfrm>
+          <a:prstGeom prst="rect">
+            <a:avLst/>
+          </a:prstGeom>
+        </p:spPr>
+      </p:pic>
+      <p:pic>
+        <p:nvPicPr>
+          <p:cNvPr id="8" name="Picture 7">
+            <a:extLst>
+              <a:ext uri="{FF2B5EF4-FFF2-40B4-BE49-F238E27FC236}">
+                <a16:creationId xmlns:a16="http://schemas.microsoft.com/office/drawing/2014/main" id="{60012B82-178E-4157-9D4F-BB15B2EDC441}"/>
+              </a:ext>
+            </a:extLst>
+          </p:cNvPr>
+          <p:cNvPicPr>
+            <a:picLocks noChangeAspect="1"/>
+          </p:cNvPicPr>
+          <p:nvPr/>
+        </p:nvPicPr>
+        <p:blipFill>
+          <a:blip r:embed="rId3"/>
+          <a:stretch>
+            <a:fillRect/>
+          </a:stretch>
+        </p:blipFill>
+        <p:spPr>
+          <a:xfrm>
+            <a:off x="75485" y="1699273"/>
+            <a:ext cx="8957944" cy="195202"/>
+          </a:xfrm>
+          <a:prstGeom prst="rect">
+            <a:avLst/>
+          </a:prstGeom>
+        </p:spPr>
+      </p:pic>
+    </p:spTree>
+    <p:extLst>
+      <p:ext uri="{BB962C8B-B14F-4D97-AF65-F5344CB8AC3E}">
+        <p14:creationId xmlns:p14="http://schemas.microsoft.com/office/powerpoint/2010/main" val="1961715739"/>
+      </p:ext>
+    </p:extLst>
+  </p:cSld>
+  <p:clrMapOvr>
+    <a:masterClrMapping/>
+  </p:clrMapOvr>
+</p:sld>
+</file>
+
+<file path=ppt/slides/slide7.xml><?xml version="1.0" encoding="utf-8"?>
 <p:sld xmlns:a="http://schemas.openxmlformats.org/drawingml/2006/main" xmlns:r="http://schemas.openxmlformats.org/officeDocument/2006/relationships" xmlns:p="http://schemas.openxmlformats.org/presentationml/2006/main">
   <p:cSld>
     <p:spTree>
@@ -12232,7 +12794,7 @@
             </a:pPr>
             <a:fld id="{00000000-1234-1234-1234-123412341234}" type="slidenum">
               <a:rPr lang="en"/>
-              <a:t>6</a:t>
+              <a:t>7</a:t>
             </a:fld>
             <a:endParaRPr/>
           </a:p>
@@ -12246,12 +12808,12 @@
 </p:sld>
 </file>
 
-<file path=ppt/slides/slide7.xml><?xml version="1.0" encoding="utf-8"?>
+<file path=ppt/slides/slide8.xml><?xml version="1.0" encoding="utf-8"?>
 <p:sld xmlns:a="http://schemas.openxmlformats.org/drawingml/2006/main" xmlns:r="http://schemas.openxmlformats.org/officeDocument/2006/relationships" xmlns:p="http://schemas.openxmlformats.org/presentationml/2006/main">
   <p:cSld>
     <p:spTree>
       <p:nvGrpSpPr>
-        <p:cNvPr id="1" name="Shape 252"/>
+        <p:cNvPr id="1" name="Shape 133"/>
         <p:cNvGrpSpPr/>
         <p:nvPr/>
       </p:nvGrpSpPr>
@@ -12265,7 +12827,49 @@
       </p:grpSpPr>
       <p:sp>
         <p:nvSpPr>
-          <p:cNvPr id="254" name="Google Shape;254;p28"/>
+          <p:cNvPr id="135" name="Google Shape;135;p19"/>
+          <p:cNvSpPr txBox="1">
+            <a:spLocks noGrp="1"/>
+          </p:cNvSpPr>
+          <p:nvPr>
+            <p:ph type="title"/>
+          </p:nvPr>
+        </p:nvSpPr>
+        <p:spPr>
+          <a:xfrm>
+            <a:off x="922000" y="498075"/>
+            <a:ext cx="6866100" cy="857400"/>
+          </a:xfrm>
+          <a:prstGeom prst="rect">
+            <a:avLst/>
+          </a:prstGeom>
+        </p:spPr>
+        <p:txBody>
+          <a:bodyPr spcFirstLastPara="1" wrap="square" lIns="91425" tIns="91425" rIns="91425" bIns="91425" anchor="t" anchorCtr="0">
+            <a:noAutofit/>
+          </a:bodyPr>
+          <a:lstStyle/>
+          <a:p>
+            <a:pPr marL="0" lvl="0" indent="0" algn="l" rtl="0">
+              <a:spcBef>
+                <a:spcPts val="0"/>
+              </a:spcBef>
+              <a:spcAft>
+                <a:spcPts val="0"/>
+              </a:spcAft>
+              <a:buNone/>
+            </a:pPr>
+            <a:r>
+              <a:rPr lang="de-CH" dirty="0"/>
+              <a:t>Live Demo</a:t>
+            </a:r>
+            <a:endParaRPr dirty="0"/>
+          </a:p>
+        </p:txBody>
+      </p:sp>
+      <p:sp>
+        <p:nvSpPr>
+          <p:cNvPr id="137" name="Google Shape;137;p19"/>
           <p:cNvSpPr txBox="1">
             <a:spLocks noGrp="1"/>
           </p:cNvSpPr>
@@ -12299,139 +12903,317 @@
             </a:pPr>
             <a:fld id="{00000000-1234-1234-1234-123412341234}" type="slidenum">
               <a:rPr lang="en"/>
-              <a:t>7</a:t>
+              <a:t>8</a:t>
             </a:fld>
             <a:endParaRPr/>
           </a:p>
         </p:txBody>
       </p:sp>
-      <p:pic>
-        <p:nvPicPr>
-          <p:cNvPr id="2" name="Picture 1">
+      <p:sp>
+        <p:nvSpPr>
+          <p:cNvPr id="8" name="Google Shape;136;p19">
             <a:extLst>
               <a:ext uri="{FF2B5EF4-FFF2-40B4-BE49-F238E27FC236}">
-                <a16:creationId xmlns:a16="http://schemas.microsoft.com/office/drawing/2014/main" id="{3A84D3A2-B02B-474E-9113-3C233F5F77E7}"/>
+                <a16:creationId xmlns:a16="http://schemas.microsoft.com/office/drawing/2014/main" id="{BA8AA0A5-4CA8-4DA2-BFC1-E19E93C32A96}"/>
               </a:ext>
             </a:extLst>
           </p:cNvPr>
-          <p:cNvPicPr>
-            <a:picLocks noChangeAspect="1"/>
-          </p:cNvPicPr>
+          <p:cNvSpPr txBox="1">
+            <a:spLocks/>
+          </p:cNvSpPr>
           <p:nvPr/>
-        </p:nvPicPr>
-        <p:blipFill>
-          <a:blip r:embed="rId3"/>
-          <a:stretch>
-            <a:fillRect/>
-          </a:stretch>
-        </p:blipFill>
+        </p:nvSpPr>
         <p:spPr>
           <a:xfrm>
-            <a:off x="132618" y="1155700"/>
-            <a:ext cx="8878763" cy="3873499"/>
+            <a:off x="922000" y="1636200"/>
+            <a:ext cx="3543300" cy="2287050"/>
           </a:xfrm>
           <a:prstGeom prst="rect">
             <a:avLst/>
           </a:prstGeom>
+          <a:noFill/>
+          <a:ln>
+            <a:noFill/>
+          </a:ln>
         </p:spPr>
-      </p:pic>
-    </p:spTree>
-  </p:cSld>
-  <p:clrMapOvr>
-    <a:masterClrMapping/>
-  </p:clrMapOvr>
-</p:sld>
-</file>
-
-<file path=ppt/slides/slide8.xml><?xml version="1.0" encoding="utf-8"?>
-<p:sld xmlns:a="http://schemas.openxmlformats.org/drawingml/2006/main" xmlns:r="http://schemas.openxmlformats.org/officeDocument/2006/relationships" xmlns:p="http://schemas.openxmlformats.org/presentationml/2006/main">
-  <p:cSld>
-    <p:spTree>
-      <p:nvGrpSpPr>
-        <p:cNvPr id="1" name=""/>
-        <p:cNvGrpSpPr/>
-        <p:nvPr/>
-      </p:nvGrpSpPr>
-      <p:grpSpPr>
-        <a:xfrm>
-          <a:off x="0" y="0"/>
-          <a:ext cx="0" cy="0"/>
-          <a:chOff x="0" y="0"/>
-          <a:chExt cx="0" cy="0"/>
-        </a:xfrm>
-      </p:grpSpPr>
-      <p:sp>
-        <p:nvSpPr>
-          <p:cNvPr id="3" name="Slide Number Placeholder 2">
-            <a:extLst>
-              <a:ext uri="{FF2B5EF4-FFF2-40B4-BE49-F238E27FC236}">
-                <a16:creationId xmlns:a16="http://schemas.microsoft.com/office/drawing/2014/main" id="{9CE6DC3D-742E-45F2-97EB-5FE9E15AF5AF}"/>
-              </a:ext>
-            </a:extLst>
-          </p:cNvPr>
-          <p:cNvSpPr>
-            <a:spLocks noGrp="1"/>
-          </p:cNvSpPr>
-          <p:nvPr>
-            <p:ph type="sldNum" idx="12"/>
-          </p:nvPr>
-        </p:nvSpPr>
-        <p:spPr/>
         <p:txBody>
-          <a:bodyPr/>
-          <a:lstStyle/>
+          <a:bodyPr spcFirstLastPara="1" wrap="square" lIns="91425" tIns="91425" rIns="91425" bIns="91425" anchor="t" anchorCtr="0">
+            <a:noAutofit/>
+          </a:bodyPr>
+          <a:lstStyle>
+            <a:defPPr marR="0" lvl="0" algn="l" rtl="0">
+              <a:lnSpc>
+                <a:spcPct val="100000"/>
+              </a:lnSpc>
+              <a:spcBef>
+                <a:spcPts val="0"/>
+              </a:spcBef>
+              <a:spcAft>
+                <a:spcPts val="0"/>
+              </a:spcAft>
+            </a:defPPr>
+            <a:lvl1pPr marL="457200" marR="0" lvl="0" indent="-342900" algn="l" rtl="0" eaLnBrk="1" hangingPunct="1">
+              <a:lnSpc>
+                <a:spcPct val="100000"/>
+              </a:lnSpc>
+              <a:spcBef>
+                <a:spcPts val="600"/>
+              </a:spcBef>
+              <a:spcAft>
+                <a:spcPts val="0"/>
+              </a:spcAft>
+              <a:buClr>
+                <a:srgbClr val="9CCBB9"/>
+              </a:buClr>
+              <a:buSzPts val="1800"/>
+              <a:buFont typeface="Raleway Light"/>
+              <a:buChar char="●"/>
+              <a:defRPr sz="1800" b="0" i="0" u="none" strike="noStrike" cap="none">
+                <a:solidFill>
+                  <a:srgbClr val="666666"/>
+                </a:solidFill>
+                <a:latin typeface="Raleway Light"/>
+                <a:ea typeface="Raleway Light"/>
+                <a:cs typeface="Raleway Light"/>
+                <a:sym typeface="Raleway Light"/>
+              </a:defRPr>
+            </a:lvl1pPr>
+            <a:lvl2pPr marL="914400" marR="0" lvl="1" indent="-342900" algn="l" rtl="0" eaLnBrk="1" hangingPunct="1">
+              <a:lnSpc>
+                <a:spcPct val="100000"/>
+              </a:lnSpc>
+              <a:spcBef>
+                <a:spcPts val="0"/>
+              </a:spcBef>
+              <a:spcAft>
+                <a:spcPts val="0"/>
+              </a:spcAft>
+              <a:buClr>
+                <a:srgbClr val="FFB600"/>
+              </a:buClr>
+              <a:buSzPts val="1800"/>
+              <a:buFont typeface="Raleway Light"/>
+              <a:buChar char="○"/>
+              <a:defRPr sz="1800" b="0" i="0" u="none" strike="noStrike" cap="none">
+                <a:solidFill>
+                  <a:srgbClr val="666666"/>
+                </a:solidFill>
+                <a:latin typeface="Raleway Light"/>
+                <a:ea typeface="Raleway Light"/>
+                <a:cs typeface="Raleway Light"/>
+                <a:sym typeface="Raleway Light"/>
+              </a:defRPr>
+            </a:lvl2pPr>
+            <a:lvl3pPr marL="1371600" marR="0" lvl="2" indent="-342900" algn="l" rtl="0" eaLnBrk="1" hangingPunct="1">
+              <a:lnSpc>
+                <a:spcPct val="100000"/>
+              </a:lnSpc>
+              <a:spcBef>
+                <a:spcPts val="0"/>
+              </a:spcBef>
+              <a:spcAft>
+                <a:spcPts val="0"/>
+              </a:spcAft>
+              <a:buClr>
+                <a:srgbClr val="FFB600"/>
+              </a:buClr>
+              <a:buSzPts val="1800"/>
+              <a:buFont typeface="Raleway Light"/>
+              <a:buChar char="■"/>
+              <a:defRPr sz="1800" b="0" i="0" u="none" strike="noStrike" cap="none">
+                <a:solidFill>
+                  <a:srgbClr val="666666"/>
+                </a:solidFill>
+                <a:latin typeface="Raleway Light"/>
+                <a:ea typeface="Raleway Light"/>
+                <a:cs typeface="Raleway Light"/>
+                <a:sym typeface="Raleway Light"/>
+              </a:defRPr>
+            </a:lvl3pPr>
+            <a:lvl4pPr marL="1828800" marR="0" lvl="3" indent="-342900" algn="l" rtl="0" eaLnBrk="1" hangingPunct="1">
+              <a:lnSpc>
+                <a:spcPct val="100000"/>
+              </a:lnSpc>
+              <a:spcBef>
+                <a:spcPts val="0"/>
+              </a:spcBef>
+              <a:spcAft>
+                <a:spcPts val="0"/>
+              </a:spcAft>
+              <a:buClr>
+                <a:srgbClr val="666666"/>
+              </a:buClr>
+              <a:buSzPts val="1800"/>
+              <a:buFont typeface="Raleway Light"/>
+              <a:buChar char="●"/>
+              <a:defRPr sz="1800" b="0" i="0" u="none" strike="noStrike" cap="none">
+                <a:solidFill>
+                  <a:srgbClr val="666666"/>
+                </a:solidFill>
+                <a:latin typeface="Raleway Light"/>
+                <a:ea typeface="Raleway Light"/>
+                <a:cs typeface="Raleway Light"/>
+                <a:sym typeface="Raleway Light"/>
+              </a:defRPr>
+            </a:lvl4pPr>
+            <a:lvl5pPr marL="2286000" marR="0" lvl="4" indent="-342900" algn="l" rtl="0" eaLnBrk="1" hangingPunct="1">
+              <a:lnSpc>
+                <a:spcPct val="100000"/>
+              </a:lnSpc>
+              <a:spcBef>
+                <a:spcPts val="0"/>
+              </a:spcBef>
+              <a:spcAft>
+                <a:spcPts val="0"/>
+              </a:spcAft>
+              <a:buClr>
+                <a:srgbClr val="666666"/>
+              </a:buClr>
+              <a:buSzPts val="1800"/>
+              <a:buFont typeface="Raleway Light"/>
+              <a:buChar char="○"/>
+              <a:defRPr sz="1800" b="0" i="0" u="none" strike="noStrike" cap="none">
+                <a:solidFill>
+                  <a:srgbClr val="666666"/>
+                </a:solidFill>
+                <a:latin typeface="Raleway Light"/>
+                <a:ea typeface="Raleway Light"/>
+                <a:cs typeface="Raleway Light"/>
+                <a:sym typeface="Raleway Light"/>
+              </a:defRPr>
+            </a:lvl5pPr>
+            <a:lvl6pPr marL="2743200" marR="0" lvl="5" indent="-342900" algn="l" rtl="0" eaLnBrk="1" hangingPunct="1">
+              <a:lnSpc>
+                <a:spcPct val="100000"/>
+              </a:lnSpc>
+              <a:spcBef>
+                <a:spcPts val="0"/>
+              </a:spcBef>
+              <a:spcAft>
+                <a:spcPts val="0"/>
+              </a:spcAft>
+              <a:buClr>
+                <a:srgbClr val="666666"/>
+              </a:buClr>
+              <a:buSzPts val="1800"/>
+              <a:buFont typeface="Raleway Light"/>
+              <a:buChar char="■"/>
+              <a:defRPr sz="1800" b="0" i="0" u="none" strike="noStrike" cap="none">
+                <a:solidFill>
+                  <a:srgbClr val="666666"/>
+                </a:solidFill>
+                <a:latin typeface="Raleway Light"/>
+                <a:ea typeface="Raleway Light"/>
+                <a:cs typeface="Raleway Light"/>
+                <a:sym typeface="Raleway Light"/>
+              </a:defRPr>
+            </a:lvl6pPr>
+            <a:lvl7pPr marL="3200400" marR="0" lvl="6" indent="-342900" algn="l" rtl="0" eaLnBrk="1" hangingPunct="1">
+              <a:lnSpc>
+                <a:spcPct val="100000"/>
+              </a:lnSpc>
+              <a:spcBef>
+                <a:spcPts val="0"/>
+              </a:spcBef>
+              <a:spcAft>
+                <a:spcPts val="0"/>
+              </a:spcAft>
+              <a:buClr>
+                <a:srgbClr val="666666"/>
+              </a:buClr>
+              <a:buSzPts val="1800"/>
+              <a:buFont typeface="Raleway Light"/>
+              <a:buChar char="●"/>
+              <a:defRPr sz="1800" b="0" i="0" u="none" strike="noStrike" cap="none">
+                <a:solidFill>
+                  <a:srgbClr val="666666"/>
+                </a:solidFill>
+                <a:latin typeface="Raleway Light"/>
+                <a:ea typeface="Raleway Light"/>
+                <a:cs typeface="Raleway Light"/>
+                <a:sym typeface="Raleway Light"/>
+              </a:defRPr>
+            </a:lvl7pPr>
+            <a:lvl8pPr marL="3657600" marR="0" lvl="7" indent="-342900" algn="l" rtl="0" eaLnBrk="1" hangingPunct="1">
+              <a:lnSpc>
+                <a:spcPct val="100000"/>
+              </a:lnSpc>
+              <a:spcBef>
+                <a:spcPts val="0"/>
+              </a:spcBef>
+              <a:spcAft>
+                <a:spcPts val="0"/>
+              </a:spcAft>
+              <a:buClr>
+                <a:srgbClr val="666666"/>
+              </a:buClr>
+              <a:buSzPts val="1800"/>
+              <a:buFont typeface="Raleway Light"/>
+              <a:buChar char="○"/>
+              <a:defRPr sz="1800" b="0" i="0" u="none" strike="noStrike" cap="none">
+                <a:solidFill>
+                  <a:srgbClr val="666666"/>
+                </a:solidFill>
+                <a:latin typeface="Raleway Light"/>
+                <a:ea typeface="Raleway Light"/>
+                <a:cs typeface="Raleway Light"/>
+                <a:sym typeface="Raleway Light"/>
+              </a:defRPr>
+            </a:lvl8pPr>
+            <a:lvl9pPr marL="4114800" marR="0" lvl="8" indent="-342900" algn="l" rtl="0" eaLnBrk="1" hangingPunct="1">
+              <a:lnSpc>
+                <a:spcPct val="100000"/>
+              </a:lnSpc>
+              <a:spcBef>
+                <a:spcPts val="0"/>
+              </a:spcBef>
+              <a:spcAft>
+                <a:spcPts val="0"/>
+              </a:spcAft>
+              <a:buClr>
+                <a:srgbClr val="666666"/>
+              </a:buClr>
+              <a:buSzPts val="1800"/>
+              <a:buFont typeface="Raleway Light"/>
+              <a:buChar char="■"/>
+              <a:defRPr sz="1800" b="0" i="0" u="none" strike="noStrike" cap="none">
+                <a:solidFill>
+                  <a:srgbClr val="666666"/>
+                </a:solidFill>
+                <a:latin typeface="Raleway Light"/>
+                <a:ea typeface="Raleway Light"/>
+                <a:cs typeface="Raleway Light"/>
+                <a:sym typeface="Raleway Light"/>
+              </a:defRPr>
+            </a:lvl9pPr>
+          </a:lstStyle>
           <a:p>
-            <a:pPr marL="0" lvl="0" indent="0" algn="ctr" rtl="0">
-              <a:spcBef>
-                <a:spcPts val="0"/>
-              </a:spcBef>
-              <a:spcAft>
-                <a:spcPts val="0"/>
-              </a:spcAft>
+            <a:pPr marL="0" indent="0">
               <a:buNone/>
             </a:pPr>
-            <a:fld id="{00000000-1234-1234-1234-123412341234}" type="slidenum">
-              <a:rPr lang="en" smtClean="0"/>
-              <a:t>8</a:t>
-            </a:fld>
-            <a:endParaRPr lang="en"/>
+            <a:endParaRPr lang="de-CH" sz="1600" b="1" dirty="0"/>
+          </a:p>
+          <a:p>
+            <a:pPr marL="0" indent="0">
+              <a:buFont typeface="Raleway Light"/>
+              <a:buNone/>
+            </a:pPr>
+            <a:endParaRPr lang="de-CH" sz="1600" b="1" dirty="0"/>
+          </a:p>
+          <a:p>
+            <a:pPr marL="285750" indent="-285750"/>
+            <a:endParaRPr lang="en-US" sz="1600" dirty="0"/>
+          </a:p>
+          <a:p>
+            <a:pPr marL="285750" indent="-285750"/>
+            <a:endParaRPr lang="en-US" sz="1600" dirty="0"/>
           </a:p>
         </p:txBody>
       </p:sp>
-      <p:pic>
-        <p:nvPicPr>
-          <p:cNvPr id="5" name="Picture 4" descr="A close up of a map&#10;&#10;Description automatically generated">
-            <a:extLst>
-              <a:ext uri="{FF2B5EF4-FFF2-40B4-BE49-F238E27FC236}">
-                <a16:creationId xmlns:a16="http://schemas.microsoft.com/office/drawing/2014/main" id="{F4A4C567-D2D0-4F42-B7D3-87BBFC2F0292}"/>
-              </a:ext>
-            </a:extLst>
-          </p:cNvPr>
-          <p:cNvPicPr>
-            <a:picLocks noChangeAspect="1"/>
-          </p:cNvPicPr>
-          <p:nvPr/>
-        </p:nvPicPr>
-        <p:blipFill>
-          <a:blip r:embed="rId2"/>
-          <a:stretch>
-            <a:fillRect/>
-          </a:stretch>
-        </p:blipFill>
-        <p:spPr>
-          <a:xfrm>
-            <a:off x="1212094" y="123825"/>
-            <a:ext cx="6604755" cy="4934206"/>
-          </a:xfrm>
-          <a:prstGeom prst="rect">
-            <a:avLst/>
-          </a:prstGeom>
-        </p:spPr>
-      </p:pic>
     </p:spTree>
     <p:extLst>
       <p:ext uri="{BB962C8B-B14F-4D97-AF65-F5344CB8AC3E}">
-        <p14:creationId xmlns:p14="http://schemas.microsoft.com/office/powerpoint/2010/main" val="1936553553"/>
+        <p14:creationId xmlns:p14="http://schemas.microsoft.com/office/powerpoint/2010/main" val="3458207679"/>
       </p:ext>
     </p:extLst>
   </p:cSld>
